--- a/Slides-tt/gem-gradio-breast-gome.pptx
+++ b/Slides-tt/gem-gradio-breast-gome.pptx
@@ -2934,8 +2934,8 @@
         </p:blipFill>
         <p:spPr>
           <a:xfrm>
-            <a:off x="1396365" y="1718945"/>
-            <a:ext cx="7246620" cy="2998470"/>
+            <a:off x="3352165" y="1949450"/>
+            <a:ext cx="5121910" cy="2354580"/>
           </a:xfrm>
           <a:prstGeom prst="rect">
             <a:avLst/>
@@ -2962,8 +2962,8 @@
         </p:blipFill>
         <p:spPr>
           <a:xfrm>
-            <a:off x="913130" y="3805555"/>
-            <a:ext cx="8156575" cy="737870"/>
+            <a:off x="2096770" y="3575050"/>
+            <a:ext cx="8156575" cy="650240"/>
           </a:xfrm>
           <a:prstGeom prst="rect">
             <a:avLst/>
@@ -2978,8 +2978,8 @@
         </p:nvSpPr>
         <p:spPr>
           <a:xfrm>
-            <a:off x="1601470" y="3734435"/>
-            <a:ext cx="6837045" cy="1536700"/>
+            <a:off x="3566795" y="3594735"/>
+            <a:ext cx="4692650" cy="709295"/>
           </a:xfrm>
           <a:prstGeom prst="rect">
             <a:avLst/>
@@ -2993,14 +2993,14 @@
           <a:p>
             <a:pPr algn="ctr"/>
             <a:r>
-              <a:rPr lang="en-US" altLang="zh-CN" sz="2400" b="1">
+              <a:rPr lang="en-US" altLang="zh-CN" sz="2000" b="1">
                 <a:solidFill>
                   <a:srgbClr val="00B050"/>
                 </a:solidFill>
               </a:rPr>
               <a:t>Mammographic Disease Detection System</a:t>
             </a:r>
-            <a:endParaRPr lang="en-US" altLang="zh-CN" sz="2400" b="1">
+            <a:endParaRPr lang="en-US" altLang="zh-CN" sz="2000" b="1">
               <a:solidFill>
                 <a:srgbClr val="00B050"/>
               </a:solidFill>
@@ -3009,7 +3009,7 @@
           <a:p>
             <a:pPr algn="ctr"/>
             <a:r>
-              <a:rPr lang="en-US" altLang="zh-CN" sz="2400" b="1">
+              <a:rPr lang="en-US" altLang="zh-CN" sz="2000" b="1">
                 <a:solidFill>
                   <a:srgbClr val="00B050"/>
                 </a:solidFill>
@@ -3017,14 +3017,63 @@
               </a:rPr>
               <a:t>GEM Lab</a:t>
             </a:r>
-            <a:endParaRPr lang="en-US" altLang="zh-CN" sz="2400" b="1">
+            <a:endParaRPr lang="en-US" altLang="zh-CN" sz="2000" b="1">
               <a:solidFill>
                 <a:srgbClr val="00B050"/>
               </a:solidFill>
+              <a:sym typeface="+mn-ea"/>
             </a:endParaRPr>
           </a:p>
         </p:txBody>
       </p:sp>
+      <p:pic>
+        <p:nvPicPr>
+          <p:cNvPr id="3" name="图片 2" descr="ccc"/>
+          <p:cNvPicPr>
+            <a:picLocks noChangeAspect="1"/>
+          </p:cNvPicPr>
+          <p:nvPr/>
+        </p:nvPicPr>
+        <p:blipFill>
+          <a:blip r:embed="rId4"/>
+          <a:stretch>
+            <a:fillRect/>
+          </a:stretch>
+        </p:blipFill>
+        <p:spPr>
+          <a:xfrm>
+            <a:off x="218440" y="1948815"/>
+            <a:ext cx="3133725" cy="2355215"/>
+          </a:xfrm>
+          <a:prstGeom prst="rect">
+            <a:avLst/>
+          </a:prstGeom>
+        </p:spPr>
+      </p:pic>
+      <p:pic>
+        <p:nvPicPr>
+          <p:cNvPr id="7" name="图片 6" descr="aaa"/>
+          <p:cNvPicPr>
+            <a:picLocks noChangeAspect="1"/>
+          </p:cNvPicPr>
+          <p:nvPr/>
+        </p:nvPicPr>
+        <p:blipFill>
+          <a:blip r:embed="rId5"/>
+          <a:stretch>
+            <a:fillRect/>
+          </a:stretch>
+        </p:blipFill>
+        <p:spPr>
+          <a:xfrm>
+            <a:off x="8442325" y="1949450"/>
+            <a:ext cx="3601085" cy="2353945"/>
+          </a:xfrm>
+          <a:prstGeom prst="rect">
+            <a:avLst/>
+          </a:prstGeom>
+        </p:spPr>
+      </p:pic>
     </p:spTree>
   </p:cSld>
   <p:clrMapOvr>
